--- a/Seminar_BlockChain_VietIS.pptx
+++ b/Seminar_BlockChain_VietIS.pptx
@@ -233,7 +233,7 @@
           <a:p>
             <a:fld id="{8FAE0353-771A-4F41-87A2-7A9FBC5DED57}" type="datetimeFigureOut">
               <a:rPr lang="en-GB" smtClean="0"/>
-              <a:t>28/06/2018</a:t>
+              <a:t>03/07/2018</a:t>
             </a:fld>
             <a:endParaRPr lang="en-GB"/>
           </a:p>
@@ -1684,7 +1684,7 @@
           <a:p>
             <a:fld id="{1D8BD707-D9CF-40AE-B4C6-C98DA3205C09}" type="datetimeFigureOut">
               <a:rPr lang="en-US"/>
-              <a:t>28-Jun-18</a:t>
+              <a:t>7/3/2018</a:t>
             </a:fld>
             <a:endParaRPr lang="en-US"/>
           </a:p>
@@ -1891,7 +1891,7 @@
           <a:p>
             <a:fld id="{1D8BD707-D9CF-40AE-B4C6-C98DA3205C09}" type="datetimeFigureOut">
               <a:rPr lang="en-US"/>
-              <a:t>28-Jun-18</a:t>
+              <a:t>7/3/2018</a:t>
             </a:fld>
             <a:endParaRPr lang="en-US"/>
           </a:p>
@@ -2141,7 +2141,7 @@
           <a:p>
             <a:fld id="{1D8BD707-D9CF-40AE-B4C6-C98DA3205C09}" type="datetimeFigureOut">
               <a:rPr lang="en-US"/>
-              <a:t>28-Jun-18</a:t>
+              <a:t>7/3/2018</a:t>
             </a:fld>
             <a:endParaRPr lang="en-US"/>
           </a:p>
@@ -2325,7 +2325,7 @@
           <a:p>
             <a:fld id="{1D8BD707-D9CF-40AE-B4C6-C98DA3205C09}" type="datetimeFigureOut">
               <a:rPr lang="en-US"/>
-              <a:t>28-Jun-18</a:t>
+              <a:t>7/3/2018</a:t>
             </a:fld>
             <a:endParaRPr lang="en-US"/>
           </a:p>
@@ -2480,7 +2480,7 @@
           <a:p>
             <a:fld id="{1D8BD707-D9CF-40AE-B4C6-C98DA3205C09}" type="datetimeFigureOut">
               <a:rPr lang="en-US"/>
-              <a:t>28-Jun-18</a:t>
+              <a:t>7/3/2018</a:t>
             </a:fld>
             <a:endParaRPr lang="en-US"/>
           </a:p>
@@ -4029,7 +4029,7 @@
           <a:p>
             <a:fld id="{1D8BD707-D9CF-40AE-B4C6-C98DA3205C09}" type="datetimeFigureOut">
               <a:rPr lang="en-US"/>
-              <a:t>28-Jun-18</a:t>
+              <a:t>7/3/2018</a:t>
             </a:fld>
             <a:endParaRPr lang="en-US"/>
           </a:p>
@@ -6696,10 +6696,6 @@
               </a:rPr>
               <a:t>Demo Supply Chain</a:t>
             </a:r>
-            <a:endParaRPr lang="en-US" sz="4400" dirty="0" smtClean="0">
-              <a:latin typeface="Times New Roman" panose="02020603050405020304" pitchFamily="18" charset="0"/>
-              <a:cs typeface="Times New Roman" panose="02020603050405020304" pitchFamily="18" charset="0"/>
-            </a:endParaRPr>
           </a:p>
         </p:txBody>
       </p:sp>
@@ -6811,7 +6807,7 @@
         <p:spPr>
           <a:xfrm>
             <a:off x="1295400" y="1870645"/>
-            <a:ext cx="9982200" cy="369332"/>
+            <a:ext cx="9982200" cy="400110"/>
           </a:xfrm>
           <a:prstGeom prst="rect">
             <a:avLst/>
@@ -6829,35 +6825,35 @@
               <a:buChar char="-"/>
             </a:pPr>
             <a:r>
-              <a:rPr lang="en-US" dirty="0" err="1" smtClean="0"/>
+              <a:rPr lang="en-US" sz="2000" dirty="0" err="1" smtClean="0"/>
               <a:t>Với</a:t>
             </a:r>
             <a:r>
-              <a:rPr lang="en-US" dirty="0" smtClean="0"/>
-              <a:t> </a:t>
-            </a:r>
-            <a:r>
-              <a:rPr lang="en-US" dirty="0" err="1" smtClean="0"/>
+              <a:rPr lang="en-US" sz="2000" dirty="0" smtClean="0"/>
+              <a:t> </a:t>
+            </a:r>
+            <a:r>
+              <a:rPr lang="en-US" sz="2000" dirty="0" err="1" smtClean="0"/>
               <a:t>người</a:t>
             </a:r>
             <a:r>
-              <a:rPr lang="en-US" dirty="0" smtClean="0"/>
-              <a:t> </a:t>
-            </a:r>
-            <a:r>
-              <a:rPr lang="en-US" dirty="0" err="1" smtClean="0"/>
+              <a:rPr lang="en-US" sz="2000" dirty="0" smtClean="0"/>
+              <a:t> </a:t>
+            </a:r>
+            <a:r>
+              <a:rPr lang="en-US" sz="2000" dirty="0" err="1" smtClean="0"/>
               <a:t>tiêu</a:t>
             </a:r>
             <a:r>
-              <a:rPr lang="en-US" dirty="0" smtClean="0"/>
-              <a:t> </a:t>
-            </a:r>
-            <a:r>
-              <a:rPr lang="en-US" dirty="0" err="1" smtClean="0"/>
+              <a:rPr lang="en-US" sz="2000" dirty="0" smtClean="0"/>
+              <a:t> </a:t>
+            </a:r>
+            <a:r>
+              <a:rPr lang="en-US" sz="2000" dirty="0" err="1" smtClean="0"/>
               <a:t>dùng</a:t>
             </a:r>
             <a:r>
-              <a:rPr lang="en-US" dirty="0" smtClean="0"/>
+              <a:rPr lang="en-US" sz="2000" dirty="0" smtClean="0"/>
               <a:t>: </a:t>
             </a:r>
           </a:p>
@@ -6872,7 +6868,7 @@
         <p:spPr>
           <a:xfrm>
             <a:off x="1295400" y="3352800"/>
-            <a:ext cx="8763000" cy="369332"/>
+            <a:ext cx="8763000" cy="400110"/>
           </a:xfrm>
           <a:prstGeom prst="rect">
             <a:avLst/>
@@ -6890,58 +6886,58 @@
               <a:buChar char="-"/>
             </a:pPr>
             <a:r>
-              <a:rPr lang="en-US" dirty="0" err="1"/>
+              <a:rPr lang="en-US" sz="2000" dirty="0" err="1"/>
               <a:t>Với</a:t>
             </a:r>
             <a:r>
-              <a:rPr lang="en-US" dirty="0"/>
-              <a:t> </a:t>
-            </a:r>
-            <a:r>
-              <a:rPr lang="en-US" dirty="0" err="1"/>
+              <a:rPr lang="en-US" sz="2000" dirty="0"/>
+              <a:t> </a:t>
+            </a:r>
+            <a:r>
+              <a:rPr lang="en-US" sz="2000" dirty="0" err="1"/>
               <a:t>nhà</a:t>
             </a:r>
             <a:r>
-              <a:rPr lang="en-US" dirty="0"/>
-              <a:t> </a:t>
-            </a:r>
-            <a:r>
-              <a:rPr lang="en-US" dirty="0" err="1"/>
+              <a:rPr lang="en-US" sz="2000" dirty="0"/>
+              <a:t> </a:t>
+            </a:r>
+            <a:r>
+              <a:rPr lang="en-US" sz="2000" dirty="0" err="1"/>
               <a:t>sản</a:t>
             </a:r>
             <a:r>
-              <a:rPr lang="en-US" dirty="0"/>
-              <a:t> </a:t>
-            </a:r>
-            <a:r>
-              <a:rPr lang="en-US" dirty="0" err="1"/>
+              <a:rPr lang="en-US" sz="2000" dirty="0"/>
+              <a:t> </a:t>
+            </a:r>
+            <a:r>
+              <a:rPr lang="en-US" sz="2000" dirty="0" err="1"/>
               <a:t>suất</a:t>
             </a:r>
             <a:r>
-              <a:rPr lang="en-US" dirty="0"/>
+              <a:rPr lang="en-US" sz="2000" dirty="0"/>
               <a:t>, shop </a:t>
             </a:r>
             <a:r>
-              <a:rPr lang="en-US" dirty="0" err="1"/>
+              <a:rPr lang="en-US" sz="2000" dirty="0" err="1"/>
               <a:t>bán</a:t>
             </a:r>
             <a:r>
-              <a:rPr lang="en-US" dirty="0"/>
-              <a:t> </a:t>
-            </a:r>
-            <a:r>
-              <a:rPr lang="en-US" dirty="0" err="1"/>
+              <a:rPr lang="en-US" sz="2000" dirty="0"/>
+              <a:t> </a:t>
+            </a:r>
+            <a:r>
+              <a:rPr lang="en-US" sz="2000" dirty="0" err="1"/>
               <a:t>hàng</a:t>
             </a:r>
             <a:r>
-              <a:rPr lang="en-US" dirty="0"/>
+              <a:rPr lang="en-US" sz="2000" dirty="0"/>
               <a:t>, </a:t>
             </a:r>
             <a:r>
-              <a:rPr lang="en-US" dirty="0" smtClean="0"/>
+              <a:rPr lang="en-US" sz="2000" dirty="0" smtClean="0"/>
               <a:t>… : </a:t>
             </a:r>
-            <a:endParaRPr lang="en-US" dirty="0"/>
+            <a:endParaRPr lang="en-US" sz="2000" dirty="0"/>
           </a:p>
         </p:txBody>
       </p:sp>
@@ -7005,7 +7001,7 @@
         </p:nvSpPr>
         <p:spPr>
           <a:xfrm>
-            <a:off x="2031295" y="2261377"/>
+            <a:off x="2031295" y="2373722"/>
             <a:ext cx="2323072" cy="369332"/>
           </a:xfrm>
           <a:prstGeom prst="rect">
@@ -7063,7 +7059,7 @@
         </p:nvSpPr>
         <p:spPr>
           <a:xfrm>
-            <a:off x="2031295" y="2815375"/>
+            <a:off x="2031295" y="2880501"/>
             <a:ext cx="4288418" cy="369332"/>
           </a:xfrm>
           <a:prstGeom prst="rect">
@@ -7153,7 +7149,7 @@
         </p:nvSpPr>
         <p:spPr>
           <a:xfrm>
-            <a:off x="2153070" y="4014642"/>
+            <a:off x="2153070" y="3855877"/>
             <a:ext cx="2502608" cy="369332"/>
           </a:xfrm>
           <a:prstGeom prst="rect">
@@ -7219,7 +7215,7 @@
         </p:nvSpPr>
         <p:spPr>
           <a:xfrm>
-            <a:off x="2153070" y="4676484"/>
+            <a:off x="2153070" y="4362656"/>
             <a:ext cx="5834931" cy="369332"/>
           </a:xfrm>
           <a:prstGeom prst="rect">
@@ -8922,7 +8918,7 @@
         <p:spPr>
           <a:xfrm>
             <a:off x="381000" y="4876800"/>
-            <a:ext cx="10972800" cy="1200329"/>
+            <a:ext cx="10972800" cy="646331"/>
           </a:xfrm>
           <a:prstGeom prst="rect">
             <a:avLst/>
@@ -8936,91 +8932,16 @@
           <a:lstStyle/>
           <a:p>
             <a:r>
-              <a:rPr lang="en-US" dirty="0" smtClean="0"/>
-              <a:t>Tangle </a:t>
-            </a:r>
-            <a:r>
-              <a:rPr lang="en-US" dirty="0" err="1" smtClean="0"/>
-              <a:t>là</a:t>
-            </a:r>
-            <a:r>
-              <a:rPr lang="en-US" dirty="0" smtClean="0"/>
-              <a:t> </a:t>
-            </a:r>
-            <a:r>
-              <a:rPr lang="vi-VN" dirty="0"/>
-              <a:t>một đồ thị không tuân theo một chu kỳ đường đi nào cả mỗi một </a:t>
-            </a:r>
-            <a:r>
-              <a:rPr lang="en-US" dirty="0" smtClean="0"/>
-              <a:t>Transaction </a:t>
-            </a:r>
-            <a:r>
-              <a:rPr lang="vi-VN" dirty="0" smtClean="0"/>
-              <a:t>trên </a:t>
-            </a:r>
-            <a:r>
-              <a:rPr lang="vi-VN" dirty="0"/>
-              <a:t>mạng sẽ được kết nối với 2 </a:t>
-            </a:r>
-            <a:r>
-              <a:rPr lang="en-US" dirty="0"/>
-              <a:t>Transaction </a:t>
-            </a:r>
-            <a:r>
-              <a:rPr lang="vi-VN" dirty="0" smtClean="0"/>
-              <a:t>bất </a:t>
-            </a:r>
-            <a:r>
-              <a:rPr lang="vi-VN" dirty="0"/>
-              <a:t>kỳ để xác minh </a:t>
-            </a:r>
-            <a:r>
-              <a:rPr lang="en-US" dirty="0" err="1" smtClean="0"/>
-              <a:t>và</a:t>
-            </a:r>
-            <a:r>
-              <a:rPr lang="en-US" dirty="0" smtClean="0"/>
-              <a:t> </a:t>
-            </a:r>
-            <a:r>
-              <a:rPr lang="en-US" dirty="0" err="1" smtClean="0"/>
-              <a:t>tham</a:t>
-            </a:r>
-            <a:r>
-              <a:rPr lang="en-US" dirty="0" smtClean="0"/>
-              <a:t> </a:t>
-            </a:r>
-            <a:r>
-              <a:rPr lang="en-US" dirty="0" err="1" smtClean="0"/>
-              <a:t>gia</a:t>
-            </a:r>
-            <a:r>
-              <a:rPr lang="en-US" dirty="0" smtClean="0"/>
-              <a:t> </a:t>
-            </a:r>
-            <a:r>
-              <a:rPr lang="en-US" dirty="0" err="1" smtClean="0"/>
-              <a:t>vào</a:t>
-            </a:r>
-            <a:r>
-              <a:rPr lang="en-US" dirty="0" smtClean="0"/>
-              <a:t> net work</a:t>
-            </a:r>
-          </a:p>
-          <a:p>
-            <a:pPr marL="285750" indent="-285750">
-              <a:buFontTx/>
-              <a:buChar char="-"/>
-            </a:pPr>
-            <a:endParaRPr lang="en-US" dirty="0" smtClean="0"/>
-          </a:p>
-          <a:p>
-            <a:pPr marL="285750" indent="-285750">
-              <a:buFontTx/>
-              <a:buChar char="-"/>
-            </a:pPr>
-            <a:endParaRPr lang="en-US" dirty="0"/>
+              <a:rPr lang="vi-VN" dirty="0">
+                <a:latin typeface="Calibri" panose="020F0502020204030204" pitchFamily="34" charset="0"/>
+                <a:cs typeface="Calibri" panose="020F0502020204030204" pitchFamily="34" charset="0"/>
+              </a:rPr>
+              <a:t>Tangle là một đồ thị không tuân theo một chu kỳ đường đi nào cả mỗi một Transaction trên mạng sẽ được kết nối với 2 Transaction bất kỳ để xác minh và tham gia vào net work</a:t>
+            </a:r>
+            <a:endParaRPr lang="en-US" dirty="0">
+              <a:latin typeface="Calibri" panose="020F0502020204030204" pitchFamily="34" charset="0"/>
+              <a:cs typeface="Calibri" panose="020F0502020204030204" pitchFamily="34" charset="0"/>
+            </a:endParaRPr>
           </a:p>
         </p:txBody>
       </p:sp>

--- a/Seminar_BlockChain_VietIS.pptx
+++ b/Seminar_BlockChain_VietIS.pptx
@@ -233,7 +233,7 @@
           <a:p>
             <a:fld id="{8FAE0353-771A-4F41-87A2-7A9FBC5DED57}" type="datetimeFigureOut">
               <a:rPr lang="en-GB" smtClean="0"/>
-              <a:t>03/07/2018</a:t>
+              <a:t>06/07/2018</a:t>
             </a:fld>
             <a:endParaRPr lang="en-GB"/>
           </a:p>
@@ -1684,7 +1684,7 @@
           <a:p>
             <a:fld id="{1D8BD707-D9CF-40AE-B4C6-C98DA3205C09}" type="datetimeFigureOut">
               <a:rPr lang="en-US"/>
-              <a:t>7/3/2018</a:t>
+              <a:t>7/6/2018</a:t>
             </a:fld>
             <a:endParaRPr lang="en-US"/>
           </a:p>
@@ -1891,7 +1891,7 @@
           <a:p>
             <a:fld id="{1D8BD707-D9CF-40AE-B4C6-C98DA3205C09}" type="datetimeFigureOut">
               <a:rPr lang="en-US"/>
-              <a:t>7/3/2018</a:t>
+              <a:t>7/6/2018</a:t>
             </a:fld>
             <a:endParaRPr lang="en-US"/>
           </a:p>
@@ -2141,7 +2141,7 @@
           <a:p>
             <a:fld id="{1D8BD707-D9CF-40AE-B4C6-C98DA3205C09}" type="datetimeFigureOut">
               <a:rPr lang="en-US"/>
-              <a:t>7/3/2018</a:t>
+              <a:t>7/6/2018</a:t>
             </a:fld>
             <a:endParaRPr lang="en-US"/>
           </a:p>
@@ -2325,7 +2325,7 @@
           <a:p>
             <a:fld id="{1D8BD707-D9CF-40AE-B4C6-C98DA3205C09}" type="datetimeFigureOut">
               <a:rPr lang="en-US"/>
-              <a:t>7/3/2018</a:t>
+              <a:t>7/6/2018</a:t>
             </a:fld>
             <a:endParaRPr lang="en-US"/>
           </a:p>
@@ -2480,7 +2480,7 @@
           <a:p>
             <a:fld id="{1D8BD707-D9CF-40AE-B4C6-C98DA3205C09}" type="datetimeFigureOut">
               <a:rPr lang="en-US"/>
-              <a:t>7/3/2018</a:t>
+              <a:t>7/6/2018</a:t>
             </a:fld>
             <a:endParaRPr lang="en-US"/>
           </a:p>
@@ -4029,7 +4029,7 @@
           <a:p>
             <a:fld id="{1D8BD707-D9CF-40AE-B4C6-C98DA3205C09}" type="datetimeFigureOut">
               <a:rPr lang="en-US"/>
-              <a:t>7/3/2018</a:t>
+              <a:t>7/6/2018</a:t>
             </a:fld>
             <a:endParaRPr lang="en-US"/>
           </a:p>
@@ -5043,14 +5043,24 @@
               </a:tabLst>
             </a:pPr>
             <a:r>
-              <a:rPr lang="en-US" sz="8000" spc="-245" dirty="0" smtClean="0">
+              <a:rPr lang="en-US" sz="8000" spc="-245" dirty="0" err="1" smtClean="0">
                 <a:solidFill>
                   <a:srgbClr val="FFFFFF"/>
                 </a:solidFill>
                 <a:latin typeface="Calibri"/>
                 <a:cs typeface="Calibri"/>
               </a:rPr>
-              <a:t>Block Chain </a:t>
+              <a:t>BlockChain</a:t>
+            </a:r>
+            <a:r>
+              <a:rPr lang="en-US" sz="8000" spc="-245" dirty="0" smtClean="0">
+                <a:solidFill>
+                  <a:srgbClr val="FFFFFF"/>
+                </a:solidFill>
+                <a:latin typeface="Calibri"/>
+                <a:cs typeface="Calibri"/>
+              </a:rPr>
+              <a:t> </a:t>
             </a:r>
             <a:r>
               <a:rPr lang="en-US" sz="8000" spc="-245" dirty="0" err="1" smtClean="0">
@@ -6291,6 +6301,65 @@
           </a:p>
         </p:txBody>
       </p:sp>
+      <p:graphicFrame>
+        <p:nvGraphicFramePr>
+          <p:cNvPr id="4" name="Object 3">
+            <a:hlinkClick r:id="rId4" action="ppaction://hlinkfile"/>
+          </p:cNvPr>
+          <p:cNvGraphicFramePr>
+            <a:graphicFrameLocks noChangeAspect="1"/>
+          </p:cNvGraphicFramePr>
+          <p:nvPr>
+            <p:extLst>
+              <p:ext uri="{D42A27DB-BD31-4B8C-83A1-F6EECF244321}">
+                <p14:modId xmlns:p14="http://schemas.microsoft.com/office/powerpoint/2010/main" val="3194123300"/>
+              </p:ext>
+            </p:extLst>
+          </p:nvPr>
+        </p:nvGraphicFramePr>
+        <p:xfrm>
+          <a:off x="609600" y="1916382"/>
+          <a:ext cx="4517275" cy="4290211"/>
+        </p:xfrm>
+        <a:graphic>
+          <a:graphicData uri="http://schemas.openxmlformats.org/presentationml/2006/ole">
+            <mc:AlternateContent xmlns:mc="http://schemas.openxmlformats.org/markup-compatibility/2006">
+              <mc:Choice xmlns:v="urn:schemas-microsoft-com:vml" Requires="v">
+                <p:oleObj spid="_x0000_s1030" name="Document" r:id="rId5" imgW="5968480" imgH="5669477" progId="Word.Document.12">
+                  <p:embed/>
+                </p:oleObj>
+              </mc:Choice>
+              <mc:Fallback>
+                <p:oleObj name="Document" r:id="rId5" imgW="5968480" imgH="5669477" progId="Word.Document.12">
+                  <p:embed/>
+                  <p:pic>
+                    <p:nvPicPr>
+                      <p:cNvPr id="0" name=""/>
+                      <p:cNvPicPr/>
+                      <p:nvPr/>
+                    </p:nvPicPr>
+                    <p:blipFill>
+                      <a:blip r:embed="rId6"/>
+                      <a:stretch>
+                        <a:fillRect/>
+                      </a:stretch>
+                    </p:blipFill>
+                    <p:spPr>
+                      <a:xfrm>
+                        <a:off x="609600" y="1916382"/>
+                        <a:ext cx="4517275" cy="4290211"/>
+                      </a:xfrm>
+                      <a:prstGeom prst="rect">
+                        <a:avLst/>
+                      </a:prstGeom>
+                    </p:spPr>
+                  </p:pic>
+                </p:oleObj>
+              </mc:Fallback>
+            </mc:AlternateContent>
+          </a:graphicData>
+        </a:graphic>
+      </p:graphicFrame>
     </p:spTree>
     <p:extLst>
       <p:ext uri="{BB962C8B-B14F-4D97-AF65-F5344CB8AC3E}">
